--- a/articles/assets/pptx/ph_with_demo.pptx
+++ b/articles/assets/pptx/ph_with_demo.pptx
@@ -2228,17 +2228,7 @@
             <p:ph type="title"/>
           </p:nvPr>
         </p:nvSpPr>
-        <p:spPr>
-          <a:xfrm rot="-0">
-            <a:off x="457200" y="274638"/>
-            <a:ext cx="8229600" cy="1143000"/>
-          </a:xfrm>
-          <a:solidFill>
-            <a:srgbClr val="FFFFFF">
-              <a:alpha val="0"/>
-            </a:srgbClr>
-          </a:solidFill>
-        </p:spPr>
+        <p:spPr/>
         <p:txBody>
           <a:bodyPr/>
           <a:lstStyle/>
@@ -2260,17 +2250,7 @@
             <p:ph type="ftr" sz="quarter" idx="11"/>
           </p:nvPr>
         </p:nvSpPr>
-        <p:spPr>
-          <a:xfrm rot="-0">
-            <a:off x="3124200" y="6356350"/>
-            <a:ext cx="2895600" cy="365125"/>
-          </a:xfrm>
-          <a:solidFill>
-            <a:srgbClr val="FFFFFF">
-              <a:alpha val="0"/>
-            </a:srgbClr>
-          </a:solidFill>
-        </p:spPr>
+        <p:spPr/>
         <p:txBody>
           <a:bodyPr/>
           <a:lstStyle/>
@@ -2298,17 +2278,7 @@
             <p:ph sz="half" idx="1"/>
           </p:nvPr>
         </p:nvSpPr>
-        <p:spPr>
-          <a:xfrm rot="-0">
-            <a:off x="457200" y="1600200"/>
-            <a:ext cx="4038600" cy="4525963"/>
-          </a:xfrm>
-          <a:solidFill>
-            <a:srgbClr val="FFFFFF">
-              <a:alpha val="0"/>
-            </a:srgbClr>
-          </a:solidFill>
-        </p:spPr>
+        <p:spPr/>
         <p:txBody>
           <a:bodyPr/>
           <a:lstStyle/>
@@ -2615,7 +2585,7 @@
         <p:spPr>
           <a:xfrm>
             <a:off x="457200" y="1600200"/>
-            <a:ext cx="1270000" cy="965200"/>
+            <a:ext cx="8229600" cy="4525963"/>
           </a:xfrm>
           <a:prstGeom prst="rect">
             <a:avLst/>
@@ -2657,17 +2627,7 @@
             <p:ph idx="1"/>
           </p:nvPr>
         </p:nvSpPr>
-        <p:spPr>
-          <a:xfrm rot="-0">
-            <a:off x="457200" y="1600200"/>
-            <a:ext cx="8229600" cy="4525963"/>
-          </a:xfrm>
-          <a:solidFill>
-            <a:srgbClr val="FFFFFF">
-              <a:alpha val="0"/>
-            </a:srgbClr>
-          </a:solidFill>
-        </p:spPr>
+        <p:spPr/>
         <p:txBody>
           <a:bodyPr/>
           <a:lstStyle/>
